--- a/Halloween.pptx
+++ b/Halloween.pptx
@@ -7305,6 +7305,174 @@
           <a:chExt cx="0" cy="0"/>
         </a:xfrm>
       </p:grpSpPr>
+      <p:sp>
+        <p:nvSpPr>
+          <p:cNvPr id="15" name="Rectangle 14">
+            <a:hlinkClick r:id="" action="ppaction://customshow?id=1&amp;return=true"/>
+          </p:cNvPr>
+          <p:cNvSpPr/>
+          <p:nvPr/>
+        </p:nvSpPr>
+        <p:spPr>
+          <a:xfrm>
+            <a:off x="581891" y="1099824"/>
+            <a:ext cx="7456516" cy="400110"/>
+          </a:xfrm>
+          <a:prstGeom prst="rect">
+            <a:avLst/>
+          </a:prstGeom>
+        </p:spPr>
+        <p:txBody>
+          <a:bodyPr wrap="square">
+            <a:spAutoFit/>
+          </a:bodyPr>
+          <a:lstStyle/>
+          <a:p>
+            <a:r>
+              <a:rPr lang="en-US" sz="2000" b="1" i="1" dirty="0" smtClean="0">
+                <a:latin typeface="Arial Black" panose="020B0A04020102020204" pitchFamily="34" charset="0"/>
+              </a:rPr>
+              <a:t>* Each member must choose an unique character.</a:t>
+            </a:r>
+            <a:endParaRPr lang="en-US" sz="2000" b="1" i="1" dirty="0">
+              <a:latin typeface="Arial Black" panose="020B0A04020102020204" pitchFamily="34" charset="0"/>
+            </a:endParaRPr>
+          </a:p>
+        </p:txBody>
+      </p:sp>
+      <p:sp>
+        <p:nvSpPr>
+          <p:cNvPr id="16" name="Rectangle 15">
+            <a:hlinkClick r:id="" action="ppaction://customshow?id=1&amp;return=true"/>
+          </p:cNvPr>
+          <p:cNvSpPr/>
+          <p:nvPr/>
+        </p:nvSpPr>
+        <p:spPr>
+          <a:xfrm>
+            <a:off x="581891" y="1859053"/>
+            <a:ext cx="7456516" cy="1015663"/>
+          </a:xfrm>
+          <a:prstGeom prst="rect">
+            <a:avLst/>
+          </a:prstGeom>
+        </p:spPr>
+        <p:txBody>
+          <a:bodyPr wrap="square">
+            <a:spAutoFit/>
+          </a:bodyPr>
+          <a:lstStyle/>
+          <a:p>
+            <a:r>
+              <a:rPr lang="en-US" sz="2000" b="1" i="1" dirty="0" smtClean="0">
+                <a:latin typeface="Arial Black" panose="020B0A04020102020204" pitchFamily="34" charset="0"/>
+              </a:rPr>
+              <a:t>* Reason why:</a:t>
+            </a:r>
+          </a:p>
+          <a:p>
+            <a:r>
+              <a:rPr lang="en-US" sz="2000" b="1" i="1" dirty="0" smtClean="0">
+                <a:latin typeface="Arial Black" panose="020B0A04020102020204" pitchFamily="34" charset="0"/>
+              </a:rPr>
+              <a:t>	- The history.</a:t>
+            </a:r>
+          </a:p>
+          <a:p>
+            <a:r>
+              <a:rPr lang="en-US" sz="2000" b="1" i="1" dirty="0" smtClean="0">
+                <a:latin typeface="Arial Black" panose="020B0A04020102020204" pitchFamily="34" charset="0"/>
+              </a:rPr>
+              <a:t>	- The original…</a:t>
+            </a:r>
+            <a:endParaRPr lang="en-US" sz="2000" b="1" i="1" dirty="0">
+              <a:latin typeface="Arial Black" panose="020B0A04020102020204" pitchFamily="34" charset="0"/>
+            </a:endParaRPr>
+          </a:p>
+        </p:txBody>
+      </p:sp>
+      <p:sp>
+        <p:nvSpPr>
+          <p:cNvPr id="17" name="Rectangle 16">
+            <a:hlinkClick r:id="" action="ppaction://customshow?id=1&amp;return=true"/>
+          </p:cNvPr>
+          <p:cNvSpPr/>
+          <p:nvPr/>
+        </p:nvSpPr>
+        <p:spPr>
+          <a:xfrm>
+            <a:off x="581891" y="3233835"/>
+            <a:ext cx="7456516" cy="400110"/>
+          </a:xfrm>
+          <a:prstGeom prst="rect">
+            <a:avLst/>
+          </a:prstGeom>
+        </p:spPr>
+        <p:txBody>
+          <a:bodyPr wrap="square">
+            <a:spAutoFit/>
+          </a:bodyPr>
+          <a:lstStyle/>
+          <a:p>
+            <a:r>
+              <a:rPr lang="en-US" sz="2000" b="1" i="1" dirty="0" smtClean="0">
+                <a:latin typeface="Arial Black" panose="020B0A04020102020204" pitchFamily="34" charset="0"/>
+              </a:rPr>
+              <a:t>* To </a:t>
+            </a:r>
+            <a:r>
+              <a:rPr lang="en-US" sz="2000" b="1" i="1" dirty="0" err="1" smtClean="0">
+                <a:latin typeface="Arial Black" panose="020B0A04020102020204" pitchFamily="34" charset="0"/>
+              </a:rPr>
+              <a:t>perusade</a:t>
+            </a:r>
+            <a:r>
+              <a:rPr lang="en-US" sz="2000" b="1" i="1" dirty="0" smtClean="0">
+                <a:latin typeface="Arial Black" panose="020B0A04020102020204" pitchFamily="34" charset="0"/>
+              </a:rPr>
+              <a:t> members vote for the character.</a:t>
+            </a:r>
+            <a:endParaRPr lang="en-US" sz="2000" b="1" i="1" dirty="0">
+              <a:latin typeface="Arial Black" panose="020B0A04020102020204" pitchFamily="34" charset="0"/>
+            </a:endParaRPr>
+          </a:p>
+        </p:txBody>
+      </p:sp>
+      <p:sp>
+        <p:nvSpPr>
+          <p:cNvPr id="18" name="Rectangle 17">
+            <a:hlinkClick r:id="" action="ppaction://customshow?id=1&amp;return=true"/>
+          </p:cNvPr>
+          <p:cNvSpPr/>
+          <p:nvPr/>
+        </p:nvSpPr>
+        <p:spPr>
+          <a:xfrm>
+            <a:off x="581891" y="4250759"/>
+            <a:ext cx="7456516" cy="400110"/>
+          </a:xfrm>
+          <a:prstGeom prst="rect">
+            <a:avLst/>
+          </a:prstGeom>
+        </p:spPr>
+        <p:txBody>
+          <a:bodyPr wrap="square">
+            <a:spAutoFit/>
+          </a:bodyPr>
+          <a:lstStyle/>
+          <a:p>
+            <a:r>
+              <a:rPr lang="en-US" sz="2000" b="1" i="1" dirty="0" smtClean="0">
+                <a:latin typeface="Arial Black" panose="020B0A04020102020204" pitchFamily="34" charset="0"/>
+              </a:rPr>
+              <a:t>* 1 member will present about team selection.</a:t>
+            </a:r>
+            <a:endParaRPr lang="en-US" sz="2000" b="1" i="1" dirty="0">
+              <a:latin typeface="Arial Black" panose="020B0A04020102020204" pitchFamily="34" charset="0"/>
+            </a:endParaRPr>
+          </a:p>
+        </p:txBody>
+      </p:sp>
     </p:spTree>
     <p:custDataLst>
       <p:tags r:id="rId1"/>
